--- a/Приложение для моделирования гитарных партий.pptx
+++ b/Приложение для моделирования гитарных партий.pptx
@@ -8,11 +8,14 @@
     <p:sldId id="256" r:id="rId2"/>
     <p:sldId id="258" r:id="rId3"/>
     <p:sldId id="260" r:id="rId4"/>
-    <p:sldId id="257" r:id="rId5"/>
-    <p:sldId id="263" r:id="rId6"/>
-    <p:sldId id="261" r:id="rId7"/>
+    <p:sldId id="263" r:id="rId5"/>
+    <p:sldId id="261" r:id="rId6"/>
+    <p:sldId id="267" r:id="rId7"/>
     <p:sldId id="262" r:id="rId8"/>
-    <p:sldId id="264" r:id="rId9"/>
+    <p:sldId id="257" r:id="rId9"/>
+    <p:sldId id="268" r:id="rId10"/>
+    <p:sldId id="265" r:id="rId11"/>
+    <p:sldId id="264" r:id="rId12"/>
   </p:sldIdLst>
   <p:sldSz cx="9144000" cy="5143500" type="screen16x9"/>
   <p:notesSz cx="6858000" cy="9144000"/>
@@ -3081,7 +3084,12 @@
             <p:ph type="ctrTitle"/>
           </p:nvPr>
         </p:nvSpPr>
-        <p:spPr/>
+        <p:spPr>
+          <a:xfrm>
+            <a:off x="1142976" y="1500180"/>
+            <a:ext cx="6529406" cy="1102519"/>
+          </a:xfrm>
+        </p:spPr>
         <p:txBody>
           <a:bodyPr>
             <a:normAutofit fontScale="90000"/>
@@ -3093,17 +3101,10 @@
               <a:t>Приложение для </a:t>
             </a:r>
             <a:r>
-              <a:rPr lang="ru-RU" dirty="0"/>
-              <a:t>моделирования </a:t>
-            </a:r>
-            <a:r>
               <a:rPr lang="ru-RU" dirty="0" smtClean="0"/>
-              <a:t>гитарных </a:t>
-            </a:r>
-            <a:r>
-              <a:rPr lang="ru-RU" dirty="0"/>
-              <a:t>партий</a:t>
-            </a:r>
+              <a:t>обучения игре на гитаре</a:t>
+            </a:r>
+            <a:endParaRPr lang="ru-RU" dirty="0"/>
           </a:p>
         </p:txBody>
       </p:sp>
@@ -3164,6 +3165,175 @@
       </p:par>
     </p:tnLst>
   </p:timing>
+</p:sld>
+</file>
+
+<file path=ppt/slides/slide10.xml><?xml version="1.0" encoding="utf-8"?>
+<p:sld xmlns:a="http://schemas.openxmlformats.org/drawingml/2006/main" xmlns:r="http://schemas.openxmlformats.org/officeDocument/2006/relationships" xmlns:p="http://schemas.openxmlformats.org/presentationml/2006/main">
+  <p:cSld>
+    <p:spTree>
+      <p:nvGrpSpPr>
+        <p:cNvPr id="1" name=""/>
+        <p:cNvGrpSpPr/>
+        <p:nvPr/>
+      </p:nvGrpSpPr>
+      <p:grpSpPr>
+        <a:xfrm>
+          <a:off x="0" y="0"/>
+          <a:ext cx="0" cy="0"/>
+          <a:chOff x="0" y="0"/>
+          <a:chExt cx="0" cy="0"/>
+        </a:xfrm>
+      </p:grpSpPr>
+      <p:sp>
+        <p:nvSpPr>
+          <p:cNvPr id="7" name="Заголовок 6"/>
+          <p:cNvSpPr>
+            <a:spLocks noGrp="1"/>
+          </p:cNvSpPr>
+          <p:nvPr>
+            <p:ph type="title"/>
+          </p:nvPr>
+        </p:nvSpPr>
+        <p:spPr/>
+        <p:txBody>
+          <a:bodyPr/>
+          <a:lstStyle/>
+          <a:p>
+            <a:r>
+              <a:rPr lang="ru-RU" dirty="0" smtClean="0"/>
+              <a:t>Дальнейший путь развития</a:t>
+            </a:r>
+            <a:endParaRPr lang="ru-RU" dirty="0"/>
+          </a:p>
+        </p:txBody>
+      </p:sp>
+      <p:sp>
+        <p:nvSpPr>
+          <p:cNvPr id="8" name="Содержимое 7"/>
+          <p:cNvSpPr>
+            <a:spLocks noGrp="1"/>
+          </p:cNvSpPr>
+          <p:nvPr>
+            <p:ph idx="1"/>
+          </p:nvPr>
+        </p:nvSpPr>
+        <p:spPr/>
+        <p:txBody>
+          <a:bodyPr>
+            <a:normAutofit/>
+          </a:bodyPr>
+          <a:lstStyle/>
+          <a:p>
+            <a:pPr marL="0" indent="361950">
+              <a:buNone/>
+            </a:pPr>
+            <a:endParaRPr lang="ru-RU" sz="2400" dirty="0"/>
+          </a:p>
+        </p:txBody>
+      </p:sp>
+    </p:spTree>
+  </p:cSld>
+  <p:clrMapOvr>
+    <a:masterClrMapping/>
+  </p:clrMapOvr>
+</p:sld>
+</file>
+
+<file path=ppt/slides/slide11.xml><?xml version="1.0" encoding="utf-8"?>
+<p:sld xmlns:a="http://schemas.openxmlformats.org/drawingml/2006/main" xmlns:r="http://schemas.openxmlformats.org/officeDocument/2006/relationships" xmlns:p="http://schemas.openxmlformats.org/presentationml/2006/main">
+  <p:cSld>
+    <p:spTree>
+      <p:nvGrpSpPr>
+        <p:cNvPr id="1" name=""/>
+        <p:cNvGrpSpPr/>
+        <p:nvPr/>
+      </p:nvGrpSpPr>
+      <p:grpSpPr>
+        <a:xfrm>
+          <a:off x="0" y="0"/>
+          <a:ext cx="0" cy="0"/>
+          <a:chOff x="0" y="0"/>
+          <a:chExt cx="0" cy="0"/>
+        </a:xfrm>
+      </p:grpSpPr>
+      <p:sp>
+        <p:nvSpPr>
+          <p:cNvPr id="2" name="Заголовок 1"/>
+          <p:cNvSpPr>
+            <a:spLocks noGrp="1"/>
+          </p:cNvSpPr>
+          <p:nvPr>
+            <p:ph type="title"/>
+          </p:nvPr>
+        </p:nvSpPr>
+        <p:spPr/>
+        <p:txBody>
+          <a:bodyPr/>
+          <a:lstStyle/>
+          <a:p>
+            <a:r>
+              <a:rPr lang="ru-RU" dirty="0" smtClean="0"/>
+              <a:t>Вывод (СОКРАТИТЬ!)</a:t>
+            </a:r>
+            <a:endParaRPr lang="ru-RU" dirty="0"/>
+          </a:p>
+        </p:txBody>
+      </p:sp>
+      <p:sp>
+        <p:nvSpPr>
+          <p:cNvPr id="3" name="Содержимое 2"/>
+          <p:cNvSpPr>
+            <a:spLocks noGrp="1"/>
+          </p:cNvSpPr>
+          <p:nvPr>
+            <p:ph idx="1"/>
+          </p:nvPr>
+        </p:nvSpPr>
+        <p:spPr/>
+        <p:txBody>
+          <a:bodyPr>
+            <a:normAutofit/>
+          </a:bodyPr>
+          <a:lstStyle/>
+          <a:p>
+            <a:pPr marL="0" indent="361950">
+              <a:buNone/>
+            </a:pPr>
+            <a:r>
+              <a:rPr lang="ru-RU" sz="2400" dirty="0" smtClean="0"/>
+              <a:t>В ходе реализации проекта была изучена справочная информация для сбора теоретической информации. Также была создана программа для моделирования гитарных партий и произведено несколько </a:t>
+            </a:r>
+            <a:r>
+              <a:rPr lang="ru-RU" sz="2400" dirty="0" err="1" smtClean="0"/>
+              <a:t>тестировок</a:t>
+            </a:r>
+            <a:r>
+              <a:rPr lang="ru-RU" sz="2400" dirty="0" smtClean="0"/>
+              <a:t>, в результате которых были выявлены и устранены недостатки программы. </a:t>
+            </a:r>
+          </a:p>
+          <a:p>
+            <a:pPr marL="0" indent="361950">
+              <a:buNone/>
+            </a:pPr>
+            <a:r>
+              <a:rPr lang="ru-RU" sz="2400" dirty="0" smtClean="0"/>
+              <a:t>В будущем возможно дальнейшее развитие и совершенствование программы </a:t>
+            </a:r>
+            <a:r>
+              <a:rPr lang="ru-RU" sz="2400" dirty="0" err="1" smtClean="0"/>
+              <a:t>программы</a:t>
+            </a:r>
+            <a:endParaRPr lang="ru-RU" sz="2400" dirty="0"/>
+          </a:p>
+        </p:txBody>
+      </p:sp>
+    </p:spTree>
+  </p:cSld>
+  <p:clrMapOvr>
+    <a:masterClrMapping/>
+  </p:clrMapOvr>
 </p:sld>
 </file>
 
@@ -3251,22 +3421,42 @@
               <a:buNone/>
             </a:pPr>
             <a:r>
-              <a:rPr lang="ru-RU" dirty="0" smtClean="0"/>
+              <a:rPr lang="ru-RU" dirty="0" smtClean="0">
+                <a:solidFill>
+                  <a:srgbClr val="FF0000"/>
+                </a:solidFill>
+              </a:rPr>
               <a:t>Создание приложения </a:t>
             </a:r>
             <a:r>
-              <a:rPr lang="ru-RU" dirty="0"/>
+              <a:rPr lang="ru-RU" dirty="0">
+                <a:solidFill>
+                  <a:srgbClr val="FF0000"/>
+                </a:solidFill>
+              </a:rPr>
               <a:t>на </a:t>
             </a:r>
             <a:r>
-              <a:rPr lang="ru-RU" dirty="0" smtClean="0"/>
+              <a:rPr lang="ru-RU" dirty="0" smtClean="0">
+                <a:solidFill>
+                  <a:srgbClr val="FF0000"/>
+                </a:solidFill>
+              </a:rPr>
               <a:t>языке программирования </a:t>
             </a:r>
             <a:r>
-              <a:rPr lang="en-US" dirty="0" smtClean="0"/>
+              <a:rPr lang="en-US" dirty="0" smtClean="0">
+                <a:solidFill>
+                  <a:srgbClr val="FF0000"/>
+                </a:solidFill>
+              </a:rPr>
               <a:t>Python</a:t>
             </a:r>
-            <a:endParaRPr lang="ru-RU" dirty="0"/>
+            <a:endParaRPr lang="ru-RU" dirty="0">
+              <a:solidFill>
+                <a:srgbClr val="FF0000"/>
+              </a:solidFill>
+            </a:endParaRPr>
           </a:p>
         </p:txBody>
       </p:sp>
@@ -3313,11 +3503,19 @@
               <a:buAutoNum type="arabicPeriod"/>
             </a:pPr>
             <a:r>
-              <a:rPr lang="ru-RU" dirty="0" smtClean="0"/>
+              <a:rPr lang="ru-RU" dirty="0" smtClean="0">
+                <a:solidFill>
+                  <a:srgbClr val="FF0000"/>
+                </a:solidFill>
+              </a:rPr>
               <a:t>Сбор </a:t>
             </a:r>
             <a:r>
-              <a:rPr lang="ru-RU" dirty="0"/>
+              <a:rPr lang="ru-RU" dirty="0">
+                <a:solidFill>
+                  <a:srgbClr val="FF0000"/>
+                </a:solidFill>
+              </a:rPr>
               <a:t>теории для написания кода программы;</a:t>
             </a:r>
           </a:p>
@@ -3327,11 +3525,19 @@
               <a:buAutoNum type="arabicPeriod"/>
             </a:pPr>
             <a:r>
-              <a:rPr lang="ru-RU" dirty="0" smtClean="0"/>
+              <a:rPr lang="ru-RU" dirty="0" smtClean="0">
+                <a:solidFill>
+                  <a:srgbClr val="FF0000"/>
+                </a:solidFill>
+              </a:rPr>
               <a:t>Создание </a:t>
             </a:r>
             <a:r>
-              <a:rPr lang="ru-RU" dirty="0"/>
+              <a:rPr lang="ru-RU" dirty="0">
+                <a:solidFill>
+                  <a:srgbClr val="FF0000"/>
+                </a:solidFill>
+              </a:rPr>
               <a:t>программы;</a:t>
             </a:r>
           </a:p>
@@ -3341,14 +3547,26 @@
               <a:buAutoNum type="arabicPeriod"/>
             </a:pPr>
             <a:r>
-              <a:rPr lang="ru-RU" dirty="0" err="1" smtClean="0"/>
+              <a:rPr lang="ru-RU" dirty="0" err="1" smtClean="0">
+                <a:solidFill>
+                  <a:srgbClr val="FF0000"/>
+                </a:solidFill>
+              </a:rPr>
               <a:t>Тестировка</a:t>
             </a:r>
             <a:r>
-              <a:rPr lang="ru-RU" dirty="0" smtClean="0"/>
+              <a:rPr lang="ru-RU" dirty="0" smtClean="0">
+                <a:solidFill>
+                  <a:srgbClr val="FF0000"/>
+                </a:solidFill>
+              </a:rPr>
               <a:t> программы.</a:t>
             </a:r>
-            <a:endParaRPr lang="ru-RU" dirty="0"/>
+            <a:endParaRPr lang="ru-RU" dirty="0">
+              <a:solidFill>
+                <a:srgbClr val="FF0000"/>
+              </a:solidFill>
+            </a:endParaRPr>
           </a:p>
           <a:p>
             <a:endParaRPr lang="ru-RU" dirty="0"/>
@@ -3731,6 +3949,507 @@
           <a:chExt cx="0" cy="0"/>
         </a:xfrm>
       </p:grpSpPr>
+      <p:sp>
+        <p:nvSpPr>
+          <p:cNvPr id="2" name="Заголовок 1"/>
+          <p:cNvSpPr>
+            <a:spLocks noGrp="1"/>
+          </p:cNvSpPr>
+          <p:nvPr>
+            <p:ph type="title"/>
+          </p:nvPr>
+        </p:nvSpPr>
+        <p:spPr/>
+        <p:txBody>
+          <a:bodyPr/>
+          <a:lstStyle/>
+          <a:p>
+            <a:r>
+              <a:rPr lang="ru-RU" dirty="0" smtClean="0"/>
+              <a:t>Возможности</a:t>
+            </a:r>
+            <a:endParaRPr lang="ru-RU" dirty="0"/>
+          </a:p>
+        </p:txBody>
+      </p:sp>
+      <p:sp>
+        <p:nvSpPr>
+          <p:cNvPr id="3" name="Содержимое 2"/>
+          <p:cNvSpPr>
+            <a:spLocks noGrp="1"/>
+          </p:cNvSpPr>
+          <p:nvPr>
+            <p:ph idx="1"/>
+          </p:nvPr>
+        </p:nvSpPr>
+        <p:spPr/>
+        <p:txBody>
+          <a:bodyPr>
+            <a:normAutofit/>
+          </a:bodyPr>
+          <a:lstStyle/>
+          <a:p>
+            <a:r>
+              <a:rPr lang="ru-RU" sz="2400" dirty="0" smtClean="0">
+                <a:solidFill>
+                  <a:schemeClr val="bg1">
+                    <a:lumMod val="75000"/>
+                  </a:schemeClr>
+                </a:solidFill>
+              </a:rPr>
+              <a:t>Создание табулатур</a:t>
+            </a:r>
+          </a:p>
+          <a:p>
+            <a:r>
+              <a:rPr lang="ru-RU" sz="2400" dirty="0" smtClean="0">
+                <a:solidFill>
+                  <a:schemeClr val="bg1">
+                    <a:lumMod val="75000"/>
+                  </a:schemeClr>
+                </a:solidFill>
+              </a:rPr>
+              <a:t>Воспроизведение табулатур с помощью звука</a:t>
+            </a:r>
+          </a:p>
+          <a:p>
+            <a:r>
+              <a:rPr lang="ru-RU" sz="2400" dirty="0" smtClean="0">
+                <a:solidFill>
+                  <a:schemeClr val="bg1">
+                    <a:lumMod val="75000"/>
+                  </a:schemeClr>
+                </a:solidFill>
+              </a:rPr>
+              <a:t>Показ справочной информации</a:t>
+            </a:r>
+          </a:p>
+          <a:p>
+            <a:r>
+              <a:rPr lang="ru-RU" sz="2400" dirty="0" smtClean="0">
+                <a:solidFill>
+                  <a:schemeClr val="bg1">
+                    <a:lumMod val="75000"/>
+                  </a:schemeClr>
+                </a:solidFill>
+              </a:rPr>
+              <a:t>Изменение </a:t>
+            </a:r>
+            <a:r>
+              <a:rPr lang="en-US" sz="2400" dirty="0" smtClean="0">
+                <a:solidFill>
+                  <a:schemeClr val="bg1">
+                    <a:lumMod val="75000"/>
+                  </a:schemeClr>
+                </a:solidFill>
+              </a:rPr>
+              <a:t>BPM</a:t>
+            </a:r>
+            <a:r>
+              <a:rPr lang="ru-RU" sz="2400" dirty="0" smtClean="0">
+                <a:solidFill>
+                  <a:schemeClr val="bg1">
+                    <a:lumMod val="75000"/>
+                  </a:schemeClr>
+                </a:solidFill>
+              </a:rPr>
+              <a:t> (количество ударов в минуту)</a:t>
+            </a:r>
+            <a:endParaRPr lang="ru-RU" sz="2400" dirty="0">
+              <a:solidFill>
+                <a:schemeClr val="bg1">
+                  <a:lumMod val="75000"/>
+                </a:schemeClr>
+              </a:solidFill>
+            </a:endParaRPr>
+          </a:p>
+        </p:txBody>
+      </p:sp>
+    </p:spTree>
+  </p:cSld>
+  <p:clrMapOvr>
+    <a:masterClrMapping/>
+  </p:clrMapOvr>
+</p:sld>
+</file>
+
+<file path=ppt/slides/slide5.xml><?xml version="1.0" encoding="utf-8"?>
+<p:sld xmlns:a="http://schemas.openxmlformats.org/drawingml/2006/main" xmlns:r="http://schemas.openxmlformats.org/officeDocument/2006/relationships" xmlns:p="http://schemas.openxmlformats.org/presentationml/2006/main">
+  <p:cSld>
+    <p:spTree>
+      <p:nvGrpSpPr>
+        <p:cNvPr id="1" name=""/>
+        <p:cNvGrpSpPr/>
+        <p:nvPr/>
+      </p:nvGrpSpPr>
+      <p:grpSpPr>
+        <a:xfrm>
+          <a:off x="0" y="0"/>
+          <a:ext cx="0" cy="0"/>
+          <a:chOff x="0" y="0"/>
+          <a:chExt cx="0" cy="0"/>
+        </a:xfrm>
+      </p:grpSpPr>
+      <p:sp>
+        <p:nvSpPr>
+          <p:cNvPr id="2" name="Заголовок 1"/>
+          <p:cNvSpPr>
+            <a:spLocks noGrp="1"/>
+          </p:cNvSpPr>
+          <p:nvPr>
+            <p:ph type="title"/>
+          </p:nvPr>
+        </p:nvSpPr>
+        <p:spPr/>
+        <p:txBody>
+          <a:bodyPr/>
+          <a:lstStyle/>
+          <a:p>
+            <a:r>
+              <a:rPr lang="ru-RU" dirty="0" smtClean="0"/>
+              <a:t>Интерфейс</a:t>
+            </a:r>
+            <a:endParaRPr lang="ru-RU" dirty="0"/>
+          </a:p>
+        </p:txBody>
+      </p:sp>
+      <p:sp>
+        <p:nvSpPr>
+          <p:cNvPr id="3" name="Текст 2"/>
+          <p:cNvSpPr>
+            <a:spLocks noGrp="1"/>
+          </p:cNvSpPr>
+          <p:nvPr>
+            <p:ph type="body" idx="1"/>
+          </p:nvPr>
+        </p:nvSpPr>
+        <p:spPr/>
+        <p:txBody>
+          <a:bodyPr/>
+          <a:lstStyle/>
+          <a:p>
+            <a:r>
+              <a:rPr lang="ru-RU" dirty="0" smtClean="0"/>
+              <a:t>Главное меню</a:t>
+            </a:r>
+            <a:endParaRPr lang="ru-RU" dirty="0"/>
+          </a:p>
+        </p:txBody>
+      </p:sp>
+      <p:pic>
+        <p:nvPicPr>
+          <p:cNvPr id="1026" name="Picture 2"/>
+          <p:cNvPicPr>
+            <a:picLocks noGrp="1" noChangeAspect="1" noChangeArrowheads="1"/>
+          </p:cNvPicPr>
+          <p:nvPr>
+            <p:ph sz="half" idx="2"/>
+          </p:nvPr>
+        </p:nvPicPr>
+        <p:blipFill>
+          <a:blip r:embed="rId2"/>
+          <a:srcRect/>
+          <a:stretch>
+            <a:fillRect/>
+          </a:stretch>
+        </p:blipFill>
+        <p:spPr bwMode="auto">
+          <a:xfrm>
+            <a:off x="2571736" y="1285866"/>
+            <a:ext cx="4902285" cy="3500462"/>
+          </a:xfrm>
+          <a:prstGeom prst="rect">
+            <a:avLst/>
+          </a:prstGeom>
+          <a:noFill/>
+          <a:ln w="9525">
+            <a:noFill/>
+            <a:miter lim="800000"/>
+            <a:headEnd/>
+            <a:tailEnd/>
+          </a:ln>
+          <a:effectLst/>
+        </p:spPr>
+      </p:pic>
+    </p:spTree>
+  </p:cSld>
+  <p:clrMapOvr>
+    <a:masterClrMapping/>
+  </p:clrMapOvr>
+  <p:timing>
+    <p:tnLst>
+      <p:par>
+        <p:cTn id="1" dur="indefinite" restart="never" nodeType="tmRoot"/>
+      </p:par>
+    </p:tnLst>
+  </p:timing>
+</p:sld>
+</file>
+
+<file path=ppt/slides/slide6.xml><?xml version="1.0" encoding="utf-8"?>
+<p:sld xmlns:a="http://schemas.openxmlformats.org/drawingml/2006/main" xmlns:r="http://schemas.openxmlformats.org/officeDocument/2006/relationships" xmlns:p="http://schemas.openxmlformats.org/presentationml/2006/main">
+  <p:cSld>
+    <p:spTree>
+      <p:nvGrpSpPr>
+        <p:cNvPr id="1" name=""/>
+        <p:cNvGrpSpPr/>
+        <p:nvPr/>
+      </p:nvGrpSpPr>
+      <p:grpSpPr>
+        <a:xfrm>
+          <a:off x="0" y="0"/>
+          <a:ext cx="0" cy="0"/>
+          <a:chOff x="0" y="0"/>
+          <a:chExt cx="0" cy="0"/>
+        </a:xfrm>
+      </p:grpSpPr>
+      <p:sp>
+        <p:nvSpPr>
+          <p:cNvPr id="2" name="Заголовок 1"/>
+          <p:cNvSpPr>
+            <a:spLocks noGrp="1"/>
+          </p:cNvSpPr>
+          <p:nvPr>
+            <p:ph type="title"/>
+          </p:nvPr>
+        </p:nvSpPr>
+        <p:spPr/>
+        <p:txBody>
+          <a:bodyPr/>
+          <a:lstStyle/>
+          <a:p>
+            <a:r>
+              <a:rPr lang="ru-RU" dirty="0" smtClean="0"/>
+              <a:t>Интерфейс</a:t>
+            </a:r>
+            <a:endParaRPr lang="ru-RU" dirty="0"/>
+          </a:p>
+        </p:txBody>
+      </p:sp>
+      <p:sp>
+        <p:nvSpPr>
+          <p:cNvPr id="3" name="Текст 2"/>
+          <p:cNvSpPr>
+            <a:spLocks noGrp="1"/>
+          </p:cNvSpPr>
+          <p:nvPr>
+            <p:ph type="body" idx="1"/>
+          </p:nvPr>
+        </p:nvSpPr>
+        <p:spPr/>
+        <p:txBody>
+          <a:bodyPr/>
+          <a:lstStyle/>
+          <a:p>
+            <a:r>
+              <a:rPr lang="ru-RU" dirty="0" smtClean="0"/>
+              <a:t>Редактор</a:t>
+            </a:r>
+            <a:endParaRPr lang="ru-RU" dirty="0" smtClean="0"/>
+          </a:p>
+        </p:txBody>
+      </p:sp>
+      <p:sp>
+        <p:nvSpPr>
+          <p:cNvPr id="5" name="Текст 4"/>
+          <p:cNvSpPr>
+            <a:spLocks noGrp="1"/>
+          </p:cNvSpPr>
+          <p:nvPr>
+            <p:ph type="body" sz="quarter" idx="3"/>
+          </p:nvPr>
+        </p:nvSpPr>
+        <p:spPr/>
+        <p:txBody>
+          <a:bodyPr/>
+          <a:lstStyle/>
+          <a:p>
+            <a:r>
+              <a:rPr lang="ru-RU" dirty="0" smtClean="0"/>
+              <a:t>Описание</a:t>
+            </a:r>
+            <a:endParaRPr lang="ru-RU" dirty="0"/>
+          </a:p>
+        </p:txBody>
+      </p:sp>
+      <p:sp>
+        <p:nvSpPr>
+          <p:cNvPr id="7" name="Содержимое 6"/>
+          <p:cNvSpPr>
+            <a:spLocks noGrp="1"/>
+          </p:cNvSpPr>
+          <p:nvPr>
+            <p:ph sz="quarter" idx="4"/>
+          </p:nvPr>
+        </p:nvSpPr>
+        <p:spPr/>
+        <p:txBody>
+          <a:bodyPr/>
+          <a:lstStyle/>
+          <a:p>
+            <a:pPr marL="0" indent="361950">
+              <a:buNone/>
+            </a:pPr>
+            <a:endParaRPr lang="ru-RU" dirty="0"/>
+          </a:p>
+        </p:txBody>
+      </p:sp>
+      <p:pic>
+        <p:nvPicPr>
+          <p:cNvPr id="10" name="Picture 3"/>
+          <p:cNvPicPr>
+            <a:picLocks noGrp="1" noChangeAspect="1" noChangeArrowheads="1"/>
+          </p:cNvPicPr>
+          <p:nvPr>
+            <p:ph sz="half" idx="2"/>
+          </p:nvPr>
+        </p:nvPicPr>
+        <p:blipFill>
+          <a:blip r:embed="rId2"/>
+          <a:srcRect/>
+          <a:stretch>
+            <a:fillRect/>
+          </a:stretch>
+        </p:blipFill>
+        <p:spPr bwMode="auto">
+          <a:xfrm>
+            <a:off x="457200" y="1892559"/>
+            <a:ext cx="4040188" cy="2439470"/>
+          </a:xfrm>
+          <a:prstGeom prst="rect">
+            <a:avLst/>
+          </a:prstGeom>
+          <a:noFill/>
+          <a:ln w="9525">
+            <a:noFill/>
+            <a:miter lim="800000"/>
+            <a:headEnd/>
+            <a:tailEnd/>
+          </a:ln>
+          <a:effectLst/>
+        </p:spPr>
+      </p:pic>
+    </p:spTree>
+  </p:cSld>
+  <p:clrMapOvr>
+    <a:masterClrMapping/>
+  </p:clrMapOvr>
+  <p:timing>
+    <p:tnLst>
+      <p:par>
+        <p:cTn id="1" dur="indefinite" restart="never" nodeType="tmRoot"/>
+      </p:par>
+    </p:tnLst>
+  </p:timing>
+</p:sld>
+</file>
+
+<file path=ppt/slides/slide7.xml><?xml version="1.0" encoding="utf-8"?>
+<p:sld xmlns:a="http://schemas.openxmlformats.org/drawingml/2006/main" xmlns:r="http://schemas.openxmlformats.org/officeDocument/2006/relationships" xmlns:p="http://schemas.openxmlformats.org/presentationml/2006/main">
+  <p:cSld>
+    <p:spTree>
+      <p:nvGrpSpPr>
+        <p:cNvPr id="1" name=""/>
+        <p:cNvGrpSpPr/>
+        <p:nvPr/>
+      </p:nvGrpSpPr>
+      <p:grpSpPr>
+        <a:xfrm>
+          <a:off x="0" y="0"/>
+          <a:ext cx="0" cy="0"/>
+          <a:chOff x="0" y="0"/>
+          <a:chExt cx="0" cy="0"/>
+        </a:xfrm>
+      </p:grpSpPr>
+      <p:sp>
+        <p:nvSpPr>
+          <p:cNvPr id="7" name="Заголовок 6"/>
+          <p:cNvSpPr>
+            <a:spLocks noGrp="1"/>
+          </p:cNvSpPr>
+          <p:nvPr>
+            <p:ph type="title"/>
+          </p:nvPr>
+        </p:nvSpPr>
+        <p:spPr/>
+        <p:txBody>
+          <a:bodyPr/>
+          <a:lstStyle/>
+          <a:p>
+            <a:r>
+              <a:rPr lang="ru-RU" dirty="0" smtClean="0"/>
+              <a:t>Интерфейс (ДОБАВИТЬ ВИДЕО!)</a:t>
+            </a:r>
+            <a:endParaRPr lang="ru-RU" dirty="0"/>
+          </a:p>
+        </p:txBody>
+      </p:sp>
+      <p:sp>
+        <p:nvSpPr>
+          <p:cNvPr id="8" name="Содержимое 7"/>
+          <p:cNvSpPr>
+            <a:spLocks noGrp="1"/>
+          </p:cNvSpPr>
+          <p:nvPr>
+            <p:ph idx="1"/>
+          </p:nvPr>
+        </p:nvSpPr>
+        <p:spPr/>
+        <p:txBody>
+          <a:bodyPr/>
+          <a:lstStyle/>
+          <a:p>
+            <a:pPr>
+              <a:buNone/>
+            </a:pPr>
+            <a:r>
+              <a:rPr lang="ru-RU" sz="2400" dirty="0" smtClean="0"/>
+              <a:t>Пример работы программы:</a:t>
+            </a:r>
+          </a:p>
+          <a:p>
+            <a:pPr>
+              <a:buNone/>
+            </a:pPr>
+            <a:endParaRPr lang="ru-RU" dirty="0" smtClean="0"/>
+          </a:p>
+          <a:p>
+            <a:pPr>
+              <a:buNone/>
+            </a:pPr>
+            <a:r>
+              <a:rPr lang="ru-RU" dirty="0" smtClean="0"/>
+              <a:t>           (Видео)</a:t>
+            </a:r>
+            <a:endParaRPr lang="ru-RU" dirty="0"/>
+          </a:p>
+        </p:txBody>
+      </p:sp>
+    </p:spTree>
+  </p:cSld>
+  <p:clrMapOvr>
+    <a:masterClrMapping/>
+  </p:clrMapOvr>
+</p:sld>
+</file>
+
+<file path=ppt/slides/slide8.xml><?xml version="1.0" encoding="utf-8"?>
+<p:sld xmlns:a="http://schemas.openxmlformats.org/drawingml/2006/main" xmlns:r="http://schemas.openxmlformats.org/officeDocument/2006/relationships" xmlns:p="http://schemas.openxmlformats.org/presentationml/2006/main">
+  <p:cSld>
+    <p:spTree>
+      <p:nvGrpSpPr>
+        <p:cNvPr id="1" name=""/>
+        <p:cNvGrpSpPr/>
+        <p:nvPr/>
+      </p:nvGrpSpPr>
+      <p:grpSpPr>
+        <a:xfrm>
+          <a:off x="0" y="0"/>
+          <a:ext cx="0" cy="0"/>
+          <a:chOff x="0" y="0"/>
+          <a:chExt cx="0" cy="0"/>
+        </a:xfrm>
+      </p:grpSpPr>
       <p:pic>
         <p:nvPicPr>
           <p:cNvPr id="3082" name="Picture 10" descr="TkInter | Facebook"/>
@@ -4387,7 +5106,7 @@
 </p:sld>
 </file>
 
-<file path=ppt/slides/slide5.xml><?xml version="1.0" encoding="utf-8"?>
+<file path=ppt/slides/slide9.xml><?xml version="1.0" encoding="utf-8"?>
 <p:sld xmlns:a="http://schemas.openxmlformats.org/drawingml/2006/main" xmlns:r="http://schemas.openxmlformats.org/officeDocument/2006/relationships" xmlns:p="http://schemas.openxmlformats.org/presentationml/2006/main">
   <p:cSld>
     <p:spTree>
@@ -4406,7 +5125,7 @@
       </p:grpSpPr>
       <p:sp>
         <p:nvSpPr>
-          <p:cNvPr id="2" name="Заголовок 1"/>
+          <p:cNvPr id="7" name="Заголовок 6"/>
           <p:cNvSpPr>
             <a:spLocks noGrp="1"/>
           </p:cNvSpPr>
@@ -4421,7 +5140,7 @@
           <a:p>
             <a:r>
               <a:rPr lang="ru-RU" dirty="0" smtClean="0"/>
-              <a:t>Возможности</a:t>
+              <a:t>Алгоритмы</a:t>
             </a:r>
             <a:endParaRPr lang="ru-RU" dirty="0"/>
           </a:p>
@@ -4429,7 +5148,7 @@
       </p:sp>
       <p:sp>
         <p:nvSpPr>
-          <p:cNvPr id="3" name="Содержимое 2"/>
+          <p:cNvPr id="8" name="Содержимое 7"/>
           <p:cNvSpPr>
             <a:spLocks noGrp="1"/>
           </p:cNvSpPr>
@@ -4444,398 +5163,9 @@
           </a:bodyPr>
           <a:lstStyle/>
           <a:p>
-            <a:r>
-              <a:rPr lang="ru-RU" sz="2400" dirty="0" smtClean="0"/>
-              <a:t>Создание табулатур</a:t>
-            </a:r>
-          </a:p>
-          <a:p>
-            <a:r>
-              <a:rPr lang="ru-RU" sz="2400" dirty="0" smtClean="0"/>
-              <a:t>Воспроизведение табулатур с помощью звука</a:t>
-            </a:r>
-          </a:p>
-          <a:p>
-            <a:r>
-              <a:rPr lang="ru-RU" sz="2400" dirty="0" smtClean="0"/>
-              <a:t>Показ справочной информации</a:t>
-            </a:r>
-          </a:p>
-          <a:p>
-            <a:r>
-              <a:rPr lang="ru-RU" sz="2400" dirty="0" smtClean="0"/>
-              <a:t>Изменение </a:t>
-            </a:r>
-            <a:r>
-              <a:rPr lang="en-US" sz="2400" dirty="0" smtClean="0"/>
-              <a:t>BPM</a:t>
-            </a:r>
-            <a:r>
-              <a:rPr lang="ru-RU" sz="2400" dirty="0" smtClean="0"/>
-              <a:t> </a:t>
-            </a:r>
-            <a:r>
-              <a:rPr lang="ru-RU" sz="2400" dirty="0" smtClean="0"/>
-              <a:t>(количество ударов в минуту)</a:t>
-            </a:r>
-            <a:endParaRPr lang="ru-RU" sz="2400" dirty="0"/>
-          </a:p>
-        </p:txBody>
-      </p:sp>
-    </p:spTree>
-  </p:cSld>
-  <p:clrMapOvr>
-    <a:masterClrMapping/>
-  </p:clrMapOvr>
-</p:sld>
-</file>
-
-<file path=ppt/slides/slide6.xml><?xml version="1.0" encoding="utf-8"?>
-<p:sld xmlns:a="http://schemas.openxmlformats.org/drawingml/2006/main" xmlns:r="http://schemas.openxmlformats.org/officeDocument/2006/relationships" xmlns:p="http://schemas.openxmlformats.org/presentationml/2006/main">
-  <p:cSld>
-    <p:spTree>
-      <p:nvGrpSpPr>
-        <p:cNvPr id="1" name=""/>
-        <p:cNvGrpSpPr/>
-        <p:nvPr/>
-      </p:nvGrpSpPr>
-      <p:grpSpPr>
-        <a:xfrm>
-          <a:off x="0" y="0"/>
-          <a:ext cx="0" cy="0"/>
-          <a:chOff x="0" y="0"/>
-          <a:chExt cx="0" cy="0"/>
-        </a:xfrm>
-      </p:grpSpPr>
-      <p:sp>
-        <p:nvSpPr>
-          <p:cNvPr id="2" name="Заголовок 1"/>
-          <p:cNvSpPr>
-            <a:spLocks noGrp="1"/>
-          </p:cNvSpPr>
-          <p:nvPr>
-            <p:ph type="title"/>
-          </p:nvPr>
-        </p:nvSpPr>
-        <p:spPr/>
-        <p:txBody>
-          <a:bodyPr/>
-          <a:lstStyle/>
-          <a:p>
-            <a:r>
-              <a:rPr lang="ru-RU" dirty="0" smtClean="0"/>
-              <a:t>Интерфейс</a:t>
-            </a:r>
-            <a:endParaRPr lang="ru-RU" dirty="0"/>
-          </a:p>
-        </p:txBody>
-      </p:sp>
-      <p:sp>
-        <p:nvSpPr>
-          <p:cNvPr id="3" name="Текст 2"/>
-          <p:cNvSpPr>
-            <a:spLocks noGrp="1"/>
-          </p:cNvSpPr>
-          <p:nvPr>
-            <p:ph type="body" idx="1"/>
-          </p:nvPr>
-        </p:nvSpPr>
-        <p:spPr/>
-        <p:txBody>
-          <a:bodyPr/>
-          <a:lstStyle/>
-          <a:p>
-            <a:r>
-              <a:rPr lang="ru-RU" dirty="0" smtClean="0"/>
-              <a:t>Главное меню</a:t>
-            </a:r>
-            <a:endParaRPr lang="ru-RU" dirty="0"/>
-          </a:p>
-        </p:txBody>
-      </p:sp>
-      <p:sp>
-        <p:nvSpPr>
-          <p:cNvPr id="5" name="Текст 4"/>
-          <p:cNvSpPr>
-            <a:spLocks noGrp="1"/>
-          </p:cNvSpPr>
-          <p:nvPr>
-            <p:ph type="body" sz="quarter" idx="3"/>
-          </p:nvPr>
-        </p:nvSpPr>
-        <p:spPr/>
-        <p:txBody>
-          <a:bodyPr/>
-          <a:lstStyle/>
-          <a:p>
-            <a:r>
-              <a:rPr lang="ru-RU" dirty="0" smtClean="0"/>
-              <a:t>Редактор</a:t>
-            </a:r>
-            <a:endParaRPr lang="ru-RU" dirty="0"/>
-          </a:p>
-        </p:txBody>
-      </p:sp>
-      <p:pic>
-        <p:nvPicPr>
-          <p:cNvPr id="1026" name="Picture 2"/>
-          <p:cNvPicPr>
-            <a:picLocks noGrp="1" noChangeAspect="1" noChangeArrowheads="1"/>
-          </p:cNvPicPr>
-          <p:nvPr>
-            <p:ph sz="half" idx="2"/>
-          </p:nvPr>
-        </p:nvPicPr>
-        <p:blipFill>
-          <a:blip r:embed="rId2"/>
-          <a:srcRect/>
-          <a:stretch>
-            <a:fillRect/>
-          </a:stretch>
-        </p:blipFill>
-        <p:spPr bwMode="auto">
-          <a:xfrm>
-            <a:off x="457200" y="1669852"/>
-            <a:ext cx="4040188" cy="2884884"/>
-          </a:xfrm>
-          <a:prstGeom prst="rect">
-            <a:avLst/>
-          </a:prstGeom>
-          <a:noFill/>
-          <a:ln w="9525">
-            <a:noFill/>
-            <a:miter lim="800000"/>
-            <a:headEnd/>
-            <a:tailEnd/>
-          </a:ln>
-          <a:effectLst/>
-        </p:spPr>
-      </p:pic>
-      <p:pic>
-        <p:nvPicPr>
-          <p:cNvPr id="1027" name="Picture 3"/>
-          <p:cNvPicPr>
-            <a:picLocks noGrp="1" noChangeAspect="1" noChangeArrowheads="1"/>
-          </p:cNvPicPr>
-          <p:nvPr>
-            <p:ph sz="quarter" idx="4"/>
-          </p:nvPr>
-        </p:nvPicPr>
-        <p:blipFill>
-          <a:blip r:embed="rId3"/>
-          <a:srcRect/>
-          <a:stretch>
-            <a:fillRect/>
-          </a:stretch>
-        </p:blipFill>
-        <p:spPr bwMode="auto">
-          <a:xfrm>
-            <a:off x="4645025" y="1892080"/>
-            <a:ext cx="4041775" cy="2440428"/>
-          </a:xfrm>
-          <a:prstGeom prst="rect">
-            <a:avLst/>
-          </a:prstGeom>
-          <a:noFill/>
-          <a:ln w="9525">
-            <a:noFill/>
-            <a:miter lim="800000"/>
-            <a:headEnd/>
-            <a:tailEnd/>
-          </a:ln>
-          <a:effectLst/>
-        </p:spPr>
-      </p:pic>
-    </p:spTree>
-  </p:cSld>
-  <p:clrMapOvr>
-    <a:masterClrMapping/>
-  </p:clrMapOvr>
-  <p:timing>
-    <p:tnLst>
-      <p:par>
-        <p:cTn id="1" dur="indefinite" restart="never" nodeType="tmRoot"/>
-      </p:par>
-    </p:tnLst>
-  </p:timing>
-</p:sld>
-</file>
-
-<file path=ppt/slides/slide7.xml><?xml version="1.0" encoding="utf-8"?>
-<p:sld xmlns:a="http://schemas.openxmlformats.org/drawingml/2006/main" xmlns:r="http://schemas.openxmlformats.org/officeDocument/2006/relationships" xmlns:p="http://schemas.openxmlformats.org/presentationml/2006/main">
-  <p:cSld>
-    <p:spTree>
-      <p:nvGrpSpPr>
-        <p:cNvPr id="1" name=""/>
-        <p:cNvGrpSpPr/>
-        <p:nvPr/>
-      </p:nvGrpSpPr>
-      <p:grpSpPr>
-        <a:xfrm>
-          <a:off x="0" y="0"/>
-          <a:ext cx="0" cy="0"/>
-          <a:chOff x="0" y="0"/>
-          <a:chExt cx="0" cy="0"/>
-        </a:xfrm>
-      </p:grpSpPr>
-      <p:sp>
-        <p:nvSpPr>
-          <p:cNvPr id="7" name="Заголовок 6"/>
-          <p:cNvSpPr>
-            <a:spLocks noGrp="1"/>
-          </p:cNvSpPr>
-          <p:nvPr>
-            <p:ph type="title"/>
-          </p:nvPr>
-        </p:nvSpPr>
-        <p:spPr/>
-        <p:txBody>
-          <a:bodyPr/>
-          <a:lstStyle/>
-          <a:p>
-            <a:r>
-              <a:rPr lang="ru-RU" dirty="0" smtClean="0"/>
-              <a:t>Интерфейс (ДОБАВИТЬ ВИДЕО!)</a:t>
-            </a:r>
-            <a:endParaRPr lang="ru-RU" dirty="0"/>
-          </a:p>
-        </p:txBody>
-      </p:sp>
-      <p:sp>
-        <p:nvSpPr>
-          <p:cNvPr id="8" name="Содержимое 7"/>
-          <p:cNvSpPr>
-            <a:spLocks noGrp="1"/>
-          </p:cNvSpPr>
-          <p:nvPr>
-            <p:ph idx="1"/>
-          </p:nvPr>
-        </p:nvSpPr>
-        <p:spPr/>
-        <p:txBody>
-          <a:bodyPr/>
-          <a:lstStyle/>
-          <a:p>
-            <a:pPr>
+            <a:pPr marL="0" indent="361950">
               <a:buNone/>
             </a:pPr>
-            <a:r>
-              <a:rPr lang="ru-RU" sz="2400" dirty="0" smtClean="0"/>
-              <a:t>Пример работы программы:</a:t>
-            </a:r>
-          </a:p>
-          <a:p>
-            <a:pPr>
-              <a:buNone/>
-            </a:pPr>
-            <a:endParaRPr lang="ru-RU" dirty="0" smtClean="0"/>
-          </a:p>
-          <a:p>
-            <a:pPr>
-              <a:buNone/>
-            </a:pPr>
-            <a:r>
-              <a:rPr lang="ru-RU" dirty="0" smtClean="0"/>
-              <a:t>           (Видео)</a:t>
-            </a:r>
-            <a:endParaRPr lang="ru-RU" dirty="0"/>
-          </a:p>
-        </p:txBody>
-      </p:sp>
-    </p:spTree>
-  </p:cSld>
-  <p:clrMapOvr>
-    <a:masterClrMapping/>
-  </p:clrMapOvr>
-</p:sld>
-</file>
-
-<file path=ppt/slides/slide8.xml><?xml version="1.0" encoding="utf-8"?>
-<p:sld xmlns:a="http://schemas.openxmlformats.org/drawingml/2006/main" xmlns:r="http://schemas.openxmlformats.org/officeDocument/2006/relationships" xmlns:p="http://schemas.openxmlformats.org/presentationml/2006/main">
-  <p:cSld>
-    <p:spTree>
-      <p:nvGrpSpPr>
-        <p:cNvPr id="1" name=""/>
-        <p:cNvGrpSpPr/>
-        <p:nvPr/>
-      </p:nvGrpSpPr>
-      <p:grpSpPr>
-        <a:xfrm>
-          <a:off x="0" y="0"/>
-          <a:ext cx="0" cy="0"/>
-          <a:chOff x="0" y="0"/>
-          <a:chExt cx="0" cy="0"/>
-        </a:xfrm>
-      </p:grpSpPr>
-      <p:sp>
-        <p:nvSpPr>
-          <p:cNvPr id="2" name="Заголовок 1"/>
-          <p:cNvSpPr>
-            <a:spLocks noGrp="1"/>
-          </p:cNvSpPr>
-          <p:nvPr>
-            <p:ph type="title"/>
-          </p:nvPr>
-        </p:nvSpPr>
-        <p:spPr/>
-        <p:txBody>
-          <a:bodyPr/>
-          <a:lstStyle/>
-          <a:p>
-            <a:r>
-              <a:rPr lang="ru-RU" dirty="0" smtClean="0"/>
-              <a:t>Вывод (СОКРАТИТЬ!)</a:t>
-            </a:r>
-            <a:endParaRPr lang="ru-RU" dirty="0"/>
-          </a:p>
-        </p:txBody>
-      </p:sp>
-      <p:sp>
-        <p:nvSpPr>
-          <p:cNvPr id="3" name="Содержимое 2"/>
-          <p:cNvSpPr>
-            <a:spLocks noGrp="1"/>
-          </p:cNvSpPr>
-          <p:nvPr>
-            <p:ph idx="1"/>
-          </p:nvPr>
-        </p:nvSpPr>
-        <p:spPr/>
-        <p:txBody>
-          <a:bodyPr>
-            <a:normAutofit/>
-          </a:bodyPr>
-          <a:lstStyle/>
-          <a:p>
-            <a:pPr marL="0" indent="361950">
-              <a:buNone/>
-            </a:pPr>
-            <a:r>
-              <a:rPr lang="ru-RU" sz="2400" dirty="0" smtClean="0"/>
-              <a:t>В ходе реализации проекта была изучена справочная информация для сбора теоретической информации. Также была создана программа для моделирования гитарных партий и произведено несколько </a:t>
-            </a:r>
-            <a:r>
-              <a:rPr lang="ru-RU" sz="2400" dirty="0" err="1" smtClean="0"/>
-              <a:t>тестировок</a:t>
-            </a:r>
-            <a:r>
-              <a:rPr lang="ru-RU" sz="2400" dirty="0" smtClean="0"/>
-              <a:t>, в результате которых были выявлены и устранены недостатки программы. </a:t>
-            </a:r>
-            <a:endParaRPr lang="ru-RU" sz="2400" dirty="0" smtClean="0"/>
-          </a:p>
-          <a:p>
-            <a:pPr marL="0" indent="361950">
-              <a:buNone/>
-            </a:pPr>
-            <a:r>
-              <a:rPr lang="ru-RU" sz="2400" dirty="0" smtClean="0"/>
-              <a:t>В будущем возможно дальнейшее развитие и совершенствование программы </a:t>
-            </a:r>
-            <a:r>
-              <a:rPr lang="ru-RU" sz="2400" dirty="0" err="1" smtClean="0"/>
-              <a:t>программы</a:t>
-            </a:r>
             <a:endParaRPr lang="ru-RU" sz="2400" dirty="0"/>
           </a:p>
         </p:txBody>
